--- a/Doc/Data Type and Operator Descriptions.pptx
+++ b/Doc/Data Type and Operator Descriptions.pptx
@@ -1547,8 +1547,8 @@
         </p:blipFill>
         <p:spPr bwMode="auto">
           <a:xfrm>
-            <a:off x="2090365" y="1268760"/>
-            <a:ext cx="4785891" cy="4475119"/>
+            <a:off x="1874341" y="1196752"/>
+            <a:ext cx="5217939" cy="4879112"/>
           </a:xfrm>
           <a:prstGeom prst="rect">
             <a:avLst/>
@@ -1884,7 +1884,7 @@
         </p:blipFill>
         <p:spPr bwMode="auto">
           <a:xfrm>
-            <a:off x="1695450" y="1628800"/>
+            <a:off x="1713206" y="1628800"/>
             <a:ext cx="5753100" cy="3181350"/>
           </a:xfrm>
           <a:prstGeom prst="rect">
